--- a/hw23/Курсовая Алгоритмы.pptx
+++ b/hw23/Курсовая Алгоритмы.pptx
@@ -7680,12 +7680,16 @@
               <a:t>Применение алгоритма </a:t>
             </a:r>
             <a:r>
-              <a:rPr lang="ru-RU" sz="2800" dirty="0" err="1"/>
+              <a:rPr lang="ru-RU" sz="2800" dirty="0" err="1" smtClean="0"/>
               <a:t>Ахо-Корасика</a:t>
             </a:r>
             <a:r>
+              <a:rPr lang="ru-RU" sz="2800" dirty="0" smtClean="0"/>
+              <a:t> </a:t>
+            </a:r>
+            <a:r>
               <a:rPr lang="ru-RU" sz="2800" dirty="0"/>
-              <a:t> для интерпретации скриптов </a:t>
+              <a:t>для интерпретации скриптов </a:t>
             </a:r>
             <a:r>
               <a:rPr lang="ru-RU" sz="2800" dirty="0" err="1"/>
